--- a/ppt/IoT05-Raspberry.pptx
+++ b/ppt/IoT05-Raspberry.pptx
@@ -611,35 +611,35 @@
           <a:p>
             <a:pPr lvl="0"/>
             <a:r>
-              <a:rPr lang="fr-FR" noProof="0" smtClean="0"/>
+              <a:rPr lang="fr-FR" noProof="0"/>
               <a:t>Cliquez pour modifier les styles du texte du masque</a:t>
             </a:r>
           </a:p>
           <a:p>
             <a:pPr lvl="1"/>
             <a:r>
-              <a:rPr lang="fr-FR" noProof="0" smtClean="0"/>
+              <a:rPr lang="fr-FR" noProof="0"/>
               <a:t>Deuxième niveau</a:t>
             </a:r>
           </a:p>
           <a:p>
             <a:pPr lvl="2"/>
             <a:r>
-              <a:rPr lang="fr-FR" noProof="0" smtClean="0"/>
+              <a:rPr lang="fr-FR" noProof="0"/>
               <a:t>Troisième niveau</a:t>
             </a:r>
           </a:p>
           <a:p>
             <a:pPr lvl="3"/>
             <a:r>
-              <a:rPr lang="fr-FR" noProof="0" smtClean="0"/>
+              <a:rPr lang="fr-FR" noProof="0"/>
               <a:t>Quatrième niveau</a:t>
             </a:r>
           </a:p>
           <a:p>
             <a:pPr lvl="4"/>
             <a:r>
-              <a:rPr lang="fr-FR" noProof="0" smtClean="0"/>
+              <a:rPr lang="fr-FR" noProof="0"/>
               <a:t>Cinquième niveau</a:t>
             </a:r>
           </a:p>
@@ -927,10 +927,9 @@
           <a:lstStyle/>
           <a:p>
             <a:r>
-              <a:rPr lang="fr-FR" smtClean="0"/>
+              <a:rPr lang="fr-FR"/>
               <a:t>Cliquez pour modifier le style du titre</a:t>
             </a:r>
-            <a:endParaRPr lang="fr-FR"/>
           </a:p>
         </p:txBody>
       </p:sp>
@@ -992,10 +991,9 @@
           </a:lstStyle>
           <a:p>
             <a:r>
-              <a:rPr lang="fr-FR" smtClean="0"/>
+              <a:rPr lang="fr-FR"/>
               <a:t>Cliquez pour modifier le style des sous-titres du masque</a:t>
             </a:r>
-            <a:endParaRPr lang="fr-FR"/>
           </a:p>
         </p:txBody>
       </p:sp>
@@ -1050,10 +1048,9 @@
           <a:lstStyle/>
           <a:p>
             <a:r>
-              <a:rPr lang="fr-FR" smtClean="0"/>
+              <a:rPr lang="fr-FR"/>
               <a:t>Cliquez pour modifier le style du titre</a:t>
             </a:r>
-            <a:endParaRPr lang="fr-FR"/>
           </a:p>
         </p:txBody>
       </p:sp>
@@ -1079,38 +1076,37 @@
           <a:p>
             <a:pPr lvl="0"/>
             <a:r>
-              <a:rPr lang="fr-FR" smtClean="0"/>
+              <a:rPr lang="fr-FR"/>
               <a:t>Cliquez pour modifier les styles du texte du masque</a:t>
             </a:r>
           </a:p>
           <a:p>
             <a:pPr lvl="1"/>
             <a:r>
-              <a:rPr lang="fr-FR" smtClean="0"/>
+              <a:rPr lang="fr-FR"/>
               <a:t>Deuxième niveau</a:t>
             </a:r>
           </a:p>
           <a:p>
             <a:pPr lvl="2"/>
             <a:r>
-              <a:rPr lang="fr-FR" smtClean="0"/>
+              <a:rPr lang="fr-FR"/>
               <a:t>Troisième niveau</a:t>
             </a:r>
           </a:p>
           <a:p>
             <a:pPr lvl="3"/>
             <a:r>
-              <a:rPr lang="fr-FR" smtClean="0"/>
+              <a:rPr lang="fr-FR"/>
               <a:t>Quatrième niveau</a:t>
             </a:r>
           </a:p>
           <a:p>
             <a:pPr lvl="4"/>
             <a:r>
-              <a:rPr lang="fr-FR" smtClean="0"/>
+              <a:rPr lang="fr-FR"/>
               <a:t>Cinquième niveau</a:t>
             </a:r>
-            <a:endParaRPr lang="fr-FR"/>
           </a:p>
         </p:txBody>
       </p:sp>
@@ -1169,10 +1165,9 @@
           </a:lstStyle>
           <a:p>
             <a:r>
-              <a:rPr lang="fr-FR" dirty="0" smtClean="0"/>
+              <a:rPr lang="fr-FR" dirty="0"/>
               <a:t>Cliquez pour modifier le style du titre</a:t>
             </a:r>
-            <a:endParaRPr lang="fr-FR" dirty="0"/>
           </a:p>
         </p:txBody>
       </p:sp>
@@ -1198,38 +1193,37 @@
           <a:p>
             <a:pPr lvl="0"/>
             <a:r>
-              <a:rPr lang="fr-FR" dirty="0" smtClean="0"/>
+              <a:rPr lang="fr-FR" dirty="0"/>
               <a:t>Cliquez pour modifier les styles du texte du masque</a:t>
             </a:r>
           </a:p>
           <a:p>
             <a:pPr lvl="1"/>
             <a:r>
-              <a:rPr lang="fr-FR" dirty="0" smtClean="0"/>
+              <a:rPr lang="fr-FR" dirty="0"/>
               <a:t>Deuxième niveau</a:t>
             </a:r>
           </a:p>
           <a:p>
             <a:pPr lvl="2"/>
             <a:r>
-              <a:rPr lang="fr-FR" dirty="0" smtClean="0"/>
+              <a:rPr lang="fr-FR" dirty="0"/>
               <a:t>Troisième niveau</a:t>
             </a:r>
           </a:p>
           <a:p>
             <a:pPr lvl="3"/>
             <a:r>
-              <a:rPr lang="fr-FR" dirty="0" smtClean="0"/>
+              <a:rPr lang="fr-FR" dirty="0"/>
               <a:t>Quatrième niveau</a:t>
             </a:r>
           </a:p>
           <a:p>
             <a:pPr lvl="4"/>
             <a:r>
-              <a:rPr lang="fr-FR" dirty="0" smtClean="0"/>
+              <a:rPr lang="fr-FR" dirty="0"/>
               <a:t>Cinquième niveau</a:t>
             </a:r>
-            <a:endParaRPr lang="fr-FR" dirty="0"/>
           </a:p>
         </p:txBody>
       </p:sp>
@@ -1279,10 +1273,9 @@
           <a:lstStyle/>
           <a:p>
             <a:r>
-              <a:rPr lang="fr-FR" smtClean="0"/>
+              <a:rPr lang="fr-FR"/>
               <a:t>Cliquez pour modifier le style du titre</a:t>
             </a:r>
-            <a:endParaRPr lang="fr-FR"/>
           </a:p>
         </p:txBody>
       </p:sp>
@@ -1336,38 +1329,37 @@
           <a:p>
             <a:pPr lvl="0"/>
             <a:r>
-              <a:rPr lang="fr-FR" smtClean="0"/>
+              <a:rPr lang="fr-FR"/>
               <a:t>Cliquez pour modifier les styles du texte du masque</a:t>
             </a:r>
           </a:p>
           <a:p>
             <a:pPr lvl="1"/>
             <a:r>
-              <a:rPr lang="fr-FR" smtClean="0"/>
+              <a:rPr lang="fr-FR"/>
               <a:t>Deuxième niveau</a:t>
             </a:r>
           </a:p>
           <a:p>
             <a:pPr lvl="2"/>
             <a:r>
-              <a:rPr lang="fr-FR" smtClean="0"/>
+              <a:rPr lang="fr-FR"/>
               <a:t>Troisième niveau</a:t>
             </a:r>
           </a:p>
           <a:p>
             <a:pPr lvl="3"/>
             <a:r>
-              <a:rPr lang="fr-FR" smtClean="0"/>
+              <a:rPr lang="fr-FR"/>
               <a:t>Quatrième niveau</a:t>
             </a:r>
           </a:p>
           <a:p>
             <a:pPr lvl="4"/>
             <a:r>
-              <a:rPr lang="fr-FR" smtClean="0"/>
+              <a:rPr lang="fr-FR"/>
               <a:t>Cinquième niveau</a:t>
             </a:r>
-            <a:endParaRPr lang="fr-FR"/>
           </a:p>
         </p:txBody>
       </p:sp>
@@ -1421,38 +1413,37 @@
           <a:p>
             <a:pPr lvl="0"/>
             <a:r>
-              <a:rPr lang="fr-FR" smtClean="0"/>
+              <a:rPr lang="fr-FR"/>
               <a:t>Cliquez pour modifier les styles du texte du masque</a:t>
             </a:r>
           </a:p>
           <a:p>
             <a:pPr lvl="1"/>
             <a:r>
-              <a:rPr lang="fr-FR" smtClean="0"/>
+              <a:rPr lang="fr-FR"/>
               <a:t>Deuxième niveau</a:t>
             </a:r>
           </a:p>
           <a:p>
             <a:pPr lvl="2"/>
             <a:r>
-              <a:rPr lang="fr-FR" smtClean="0"/>
+              <a:rPr lang="fr-FR"/>
               <a:t>Troisième niveau</a:t>
             </a:r>
           </a:p>
           <a:p>
             <a:pPr lvl="3"/>
             <a:r>
-              <a:rPr lang="fr-FR" smtClean="0"/>
+              <a:rPr lang="fr-FR"/>
               <a:t>Quatrième niveau</a:t>
             </a:r>
           </a:p>
           <a:p>
             <a:pPr lvl="4"/>
             <a:r>
-              <a:rPr lang="fr-FR" smtClean="0"/>
+              <a:rPr lang="fr-FR"/>
               <a:t>Cinquième niveau</a:t>
             </a:r>
-            <a:endParaRPr lang="fr-FR"/>
           </a:p>
         </p:txBody>
       </p:sp>
@@ -1511,10 +1502,9 @@
           </a:lstStyle>
           <a:p>
             <a:r>
-              <a:rPr lang="fr-FR" smtClean="0"/>
+              <a:rPr lang="fr-FR"/>
               <a:t>Cliquez pour modifier le style du titre</a:t>
             </a:r>
-            <a:endParaRPr lang="fr-FR"/>
           </a:p>
         </p:txBody>
       </p:sp>
@@ -1577,7 +1567,7 @@
           <a:p>
             <a:pPr lvl="0"/>
             <a:r>
-              <a:rPr lang="fr-FR" smtClean="0"/>
+              <a:rPr lang="fr-FR"/>
               <a:t>Cliquez pour modifier les styles du texte du masque</a:t>
             </a:r>
           </a:p>
@@ -1633,38 +1623,37 @@
           <a:p>
             <a:pPr lvl="0"/>
             <a:r>
-              <a:rPr lang="fr-FR" smtClean="0"/>
+              <a:rPr lang="fr-FR"/>
               <a:t>Cliquez pour modifier les styles du texte du masque</a:t>
             </a:r>
           </a:p>
           <a:p>
             <a:pPr lvl="1"/>
             <a:r>
-              <a:rPr lang="fr-FR" smtClean="0"/>
+              <a:rPr lang="fr-FR"/>
               <a:t>Deuxième niveau</a:t>
             </a:r>
           </a:p>
           <a:p>
             <a:pPr lvl="2"/>
             <a:r>
-              <a:rPr lang="fr-FR" smtClean="0"/>
+              <a:rPr lang="fr-FR"/>
               <a:t>Troisième niveau</a:t>
             </a:r>
           </a:p>
           <a:p>
             <a:pPr lvl="3"/>
             <a:r>
-              <a:rPr lang="fr-FR" smtClean="0"/>
+              <a:rPr lang="fr-FR"/>
               <a:t>Quatrième niveau</a:t>
             </a:r>
           </a:p>
           <a:p>
             <a:pPr lvl="4"/>
             <a:r>
-              <a:rPr lang="fr-FR" smtClean="0"/>
+              <a:rPr lang="fr-FR"/>
               <a:t>Cinquième niveau</a:t>
             </a:r>
-            <a:endParaRPr lang="fr-FR"/>
           </a:p>
         </p:txBody>
       </p:sp>
@@ -1727,7 +1716,7 @@
           <a:p>
             <a:pPr lvl="0"/>
             <a:r>
-              <a:rPr lang="fr-FR" smtClean="0"/>
+              <a:rPr lang="fr-FR"/>
               <a:t>Cliquez pour modifier les styles du texte du masque</a:t>
             </a:r>
           </a:p>
@@ -1783,38 +1772,37 @@
           <a:p>
             <a:pPr lvl="0"/>
             <a:r>
-              <a:rPr lang="fr-FR" smtClean="0"/>
+              <a:rPr lang="fr-FR"/>
               <a:t>Cliquez pour modifier les styles du texte du masque</a:t>
             </a:r>
           </a:p>
           <a:p>
             <a:pPr lvl="1"/>
             <a:r>
-              <a:rPr lang="fr-FR" smtClean="0"/>
+              <a:rPr lang="fr-FR"/>
               <a:t>Deuxième niveau</a:t>
             </a:r>
           </a:p>
           <a:p>
             <a:pPr lvl="2"/>
             <a:r>
-              <a:rPr lang="fr-FR" smtClean="0"/>
+              <a:rPr lang="fr-FR"/>
               <a:t>Troisième niveau</a:t>
             </a:r>
           </a:p>
           <a:p>
             <a:pPr lvl="3"/>
             <a:r>
-              <a:rPr lang="fr-FR" smtClean="0"/>
+              <a:rPr lang="fr-FR"/>
               <a:t>Quatrième niveau</a:t>
             </a:r>
           </a:p>
           <a:p>
             <a:pPr lvl="4"/>
             <a:r>
-              <a:rPr lang="fr-FR" smtClean="0"/>
+              <a:rPr lang="fr-FR"/>
               <a:t>Cinquième niveau</a:t>
             </a:r>
-            <a:endParaRPr lang="fr-FR"/>
           </a:p>
         </p:txBody>
       </p:sp>
@@ -1864,10 +1852,9 @@
           <a:lstStyle/>
           <a:p>
             <a:r>
-              <a:rPr lang="fr-FR" smtClean="0"/>
+              <a:rPr lang="fr-FR"/>
               <a:t>Cliquez pour modifier le style du titre</a:t>
             </a:r>
-            <a:endParaRPr lang="fr-FR"/>
           </a:p>
         </p:txBody>
       </p:sp>
@@ -1956,10 +1943,9 @@
           </a:lstStyle>
           <a:p>
             <a:r>
-              <a:rPr lang="fr-FR" smtClean="0"/>
+              <a:rPr lang="fr-FR"/>
               <a:t>Cliquez pour modifier le style du titre</a:t>
             </a:r>
-            <a:endParaRPr lang="fr-FR"/>
           </a:p>
         </p:txBody>
       </p:sp>
@@ -2013,38 +1999,37 @@
           <a:p>
             <a:pPr lvl="0"/>
             <a:r>
-              <a:rPr lang="fr-FR" smtClean="0"/>
+              <a:rPr lang="fr-FR"/>
               <a:t>Cliquez pour modifier les styles du texte du masque</a:t>
             </a:r>
           </a:p>
           <a:p>
             <a:pPr lvl="1"/>
             <a:r>
-              <a:rPr lang="fr-FR" smtClean="0"/>
+              <a:rPr lang="fr-FR"/>
               <a:t>Deuxième niveau</a:t>
             </a:r>
           </a:p>
           <a:p>
             <a:pPr lvl="2"/>
             <a:r>
-              <a:rPr lang="fr-FR" smtClean="0"/>
+              <a:rPr lang="fr-FR"/>
               <a:t>Troisième niveau</a:t>
             </a:r>
           </a:p>
           <a:p>
             <a:pPr lvl="3"/>
             <a:r>
-              <a:rPr lang="fr-FR" smtClean="0"/>
+              <a:rPr lang="fr-FR"/>
               <a:t>Quatrième niveau</a:t>
             </a:r>
           </a:p>
           <a:p>
             <a:pPr lvl="4"/>
             <a:r>
-              <a:rPr lang="fr-FR" smtClean="0"/>
+              <a:rPr lang="fr-FR"/>
               <a:t>Cinquième niveau</a:t>
             </a:r>
-            <a:endParaRPr lang="fr-FR"/>
           </a:p>
         </p:txBody>
       </p:sp>
@@ -2107,7 +2092,7 @@
           <a:p>
             <a:pPr lvl="0"/>
             <a:r>
-              <a:rPr lang="fr-FR" smtClean="0"/>
+              <a:rPr lang="fr-FR"/>
               <a:t>Cliquez pour modifier les styles du texte du masque</a:t>
             </a:r>
           </a:p>
@@ -2168,10 +2153,9 @@
           </a:lstStyle>
           <a:p>
             <a:r>
-              <a:rPr lang="fr-FR" smtClean="0"/>
+              <a:rPr lang="fr-FR"/>
               <a:t>Cliquez pour modifier le style du titre</a:t>
             </a:r>
-            <a:endParaRPr lang="fr-FR"/>
           </a:p>
         </p:txBody>
       </p:sp>
@@ -2233,7 +2217,7 @@
           </a:lstStyle>
           <a:p>
             <a:pPr lvl="0"/>
-            <a:endParaRPr lang="fr-FR" noProof="0" smtClean="0"/>
+            <a:endParaRPr lang="fr-FR" noProof="0"/>
           </a:p>
         </p:txBody>
       </p:sp>
@@ -2296,7 +2280,7 @@
           <a:p>
             <a:pPr lvl="0"/>
             <a:r>
-              <a:rPr lang="fr-FR" smtClean="0"/>
+              <a:rPr lang="fr-FR"/>
               <a:t>Cliquez pour modifier les styles du texte du masque</a:t>
             </a:r>
           </a:p>
@@ -2348,10 +2332,9 @@
           <a:lstStyle/>
           <a:p>
             <a:r>
-              <a:rPr lang="fr-FR" smtClean="0"/>
+              <a:rPr lang="fr-FR"/>
               <a:t>Cliquez pour modifier le style du titre</a:t>
             </a:r>
-            <a:endParaRPr lang="fr-FR"/>
           </a:p>
         </p:txBody>
       </p:sp>
@@ -2372,38 +2355,37 @@
           <a:p>
             <a:pPr lvl="0"/>
             <a:r>
-              <a:rPr lang="fr-FR" smtClean="0"/>
+              <a:rPr lang="fr-FR"/>
               <a:t>Cliquez pour modifier les styles du texte du masque</a:t>
             </a:r>
           </a:p>
           <a:p>
             <a:pPr lvl="1"/>
             <a:r>
-              <a:rPr lang="fr-FR" smtClean="0"/>
+              <a:rPr lang="fr-FR"/>
               <a:t>Deuxième niveau</a:t>
             </a:r>
           </a:p>
           <a:p>
             <a:pPr lvl="2"/>
             <a:r>
-              <a:rPr lang="fr-FR" smtClean="0"/>
+              <a:rPr lang="fr-FR"/>
               <a:t>Troisième niveau</a:t>
             </a:r>
           </a:p>
           <a:p>
             <a:pPr lvl="3"/>
             <a:r>
-              <a:rPr lang="fr-FR" smtClean="0"/>
+              <a:rPr lang="fr-FR"/>
               <a:t>Quatrième niveau</a:t>
             </a:r>
           </a:p>
           <a:p>
             <a:pPr lvl="4"/>
             <a:r>
-              <a:rPr lang="fr-FR" smtClean="0"/>
+              <a:rPr lang="fr-FR"/>
               <a:t>Cinquième niveau</a:t>
             </a:r>
-            <a:endParaRPr lang="fr-FR"/>
           </a:p>
         </p:txBody>
       </p:sp>
@@ -2584,7 +2566,7 @@
             <a:pPr eaLnBrk="1" hangingPunct="1">
               <a:defRPr/>
             </a:pPr>
-            <a:endParaRPr lang="fr-FR" altLang="fr-FR" smtClean="0"/>
+            <a:endParaRPr lang="fr-FR" altLang="fr-FR"/>
           </a:p>
         </p:txBody>
       </p:sp>
@@ -2738,7 +2720,7 @@
               <a:defRPr/>
             </a:pPr>
             <a:r>
-              <a:rPr lang="fr-FR" sz="1200" dirty="0" smtClean="0"/>
+              <a:rPr lang="fr-FR" sz="1200" dirty="0"/>
               <a:t>Page </a:t>
             </a:r>
             <a:fld id="{E218E9B1-FD08-4C80-902E-210BA2967D0D}" type="slidenum">
@@ -2751,7 +2733,7 @@
               </a:pPr>
               <a:t>‹N°›</a:t>
             </a:fld>
-            <a:endParaRPr lang="fr-FR" dirty="0" smtClean="0">
+            <a:endParaRPr lang="fr-FR" dirty="0">
               <a:latin typeface="Times New Roman" pitchFamily="18" charset="0"/>
             </a:endParaRPr>
           </a:p>
@@ -2907,10 +2889,10 @@
               <a:defRPr/>
             </a:pPr>
             <a:r>
-              <a:rPr lang="fr-FR" sz="1600" dirty="0" err="1" smtClean="0"/>
+              <a:rPr lang="fr-FR" sz="1600" dirty="0" err="1"/>
               <a:t>IoT</a:t>
             </a:r>
-            <a:endParaRPr lang="fr-FR" dirty="0" smtClean="0">
+            <a:endParaRPr lang="fr-FR" dirty="0">
               <a:latin typeface="Times New Roman" pitchFamily="18" charset="0"/>
             </a:endParaRPr>
           </a:p>
@@ -2968,7 +2950,7 @@
           <a:p>
             <a:pPr lvl="0"/>
             <a:r>
-              <a:rPr lang="fr-FR" altLang="fr-FR" smtClean="0"/>
+              <a:rPr lang="fr-FR" altLang="fr-FR"/>
               <a:t>Cliquez pour modifier le style du titre du masque</a:t>
             </a:r>
           </a:p>
@@ -3026,35 +3008,35 @@
           <a:p>
             <a:pPr lvl="0"/>
             <a:r>
-              <a:rPr lang="fr-FR" altLang="fr-FR" smtClean="0"/>
+              <a:rPr lang="fr-FR" altLang="fr-FR"/>
               <a:t>Cliquez pour modifier les styles du texte du masque</a:t>
             </a:r>
           </a:p>
           <a:p>
             <a:pPr lvl="1"/>
             <a:r>
-              <a:rPr lang="fr-FR" altLang="fr-FR" smtClean="0"/>
+              <a:rPr lang="fr-FR" altLang="fr-FR"/>
               <a:t>Deuxième niveau</a:t>
             </a:r>
           </a:p>
           <a:p>
             <a:pPr lvl="2"/>
             <a:r>
-              <a:rPr lang="fr-FR" altLang="fr-FR" smtClean="0"/>
+              <a:rPr lang="fr-FR" altLang="fr-FR"/>
               <a:t>Troisième niveau</a:t>
             </a:r>
           </a:p>
           <a:p>
             <a:pPr lvl="3"/>
             <a:r>
-              <a:rPr lang="fr-FR" altLang="fr-FR" smtClean="0"/>
+              <a:rPr lang="fr-FR" altLang="fr-FR"/>
               <a:t>Quatrième niveau</a:t>
             </a:r>
           </a:p>
           <a:p>
             <a:pPr lvl="4"/>
             <a:r>
-              <a:rPr lang="fr-FR" altLang="fr-FR" smtClean="0"/>
+              <a:rPr lang="fr-FR" altLang="fr-FR"/>
               <a:t>Cinquième niveau</a:t>
             </a:r>
           </a:p>
@@ -3210,10 +3192,10 @@
               <a:defRPr/>
             </a:pPr>
             <a:r>
-              <a:rPr lang="fr-FR" sz="1200" smtClean="0"/>
+              <a:rPr lang="fr-FR" sz="1200"/>
               <a:t>© Cyril Vincent Conseil</a:t>
             </a:r>
-            <a:endParaRPr lang="fr-FR" smtClean="0">
+            <a:endParaRPr lang="fr-FR">
               <a:latin typeface="Times New Roman" pitchFamily="18" charset="0"/>
             </a:endParaRPr>
           </a:p>
@@ -3700,10 +3682,10 @@
           <a:p>
             <a:pPr eaLnBrk="1" hangingPunct="1"/>
             <a:r>
-              <a:rPr lang="fr-FR" altLang="fr-FR" dirty="0" err="1" smtClean="0"/>
+              <a:rPr lang="fr-FR" altLang="fr-FR" dirty="0" err="1"/>
               <a:t>IoT</a:t>
             </a:r>
-            <a:endParaRPr lang="fr-FR" altLang="fr-FR" dirty="0" smtClean="0"/>
+            <a:endParaRPr lang="fr-FR" altLang="fr-FR" dirty="0"/>
           </a:p>
           <a:p>
             <a:pPr eaLnBrk="1" hangingPunct="1"/>
@@ -3712,17 +3694,17 @@
           <a:p>
             <a:pPr eaLnBrk="1" hangingPunct="1"/>
             <a:r>
-              <a:rPr lang="fr-FR" altLang="fr-FR" dirty="0" smtClean="0"/>
+              <a:rPr lang="fr-FR" altLang="fr-FR" dirty="0"/>
               <a:t>Chapitre 5</a:t>
             </a:r>
           </a:p>
           <a:p>
             <a:pPr eaLnBrk="1" hangingPunct="1"/>
             <a:r>
-              <a:rPr lang="fr-FR" altLang="fr-FR" dirty="0" err="1" smtClean="0"/>
+              <a:rPr lang="fr-FR" altLang="fr-FR" dirty="0" err="1"/>
               <a:t>Raspberry</a:t>
             </a:r>
-            <a:endParaRPr lang="fr-FR" altLang="fr-FR" dirty="0" smtClean="0"/>
+            <a:endParaRPr lang="fr-FR" altLang="fr-FR" dirty="0"/>
           </a:p>
         </p:txBody>
       </p:sp>
@@ -3772,13 +3754,6 @@
   <p:clrMapOvr>
     <a:masterClrMapping/>
   </p:clrMapOvr>
-  <p:timing>
-    <p:tnLst>
-      <p:par>
-        <p:cTn id="1" dur="indefinite" restart="never" nodeType="tmRoot"/>
-      </p:par>
-    </p:tnLst>
-  </p:timing>
 </p:sld>
 </file>
 
@@ -3815,14 +3790,13 @@
           <a:lstStyle/>
           <a:p>
             <a:r>
-              <a:rPr lang="fr-FR" dirty="0" err="1" smtClean="0"/>
+              <a:rPr lang="fr-FR" dirty="0" err="1"/>
               <a:t>Raspberry</a:t>
             </a:r>
             <a:r>
-              <a:rPr lang="fr-FR" dirty="0" smtClean="0"/>
+              <a:rPr lang="fr-FR" dirty="0"/>
               <a:t> Pi</a:t>
             </a:r>
-            <a:endParaRPr lang="fr-FR" dirty="0"/>
           </a:p>
         </p:txBody>
       </p:sp>
@@ -3842,30 +3816,26 @@
           <a:lstStyle/>
           <a:p>
             <a:r>
-              <a:rPr lang="fr-FR" dirty="0" err="1" smtClean="0"/>
+              <a:rPr lang="fr-FR" dirty="0" err="1"/>
               <a:t>Raspberry</a:t>
             </a:r>
             <a:r>
-              <a:rPr lang="fr-FR" dirty="0" smtClean="0"/>
+              <a:rPr lang="fr-FR" dirty="0"/>
               <a:t> Pi</a:t>
             </a:r>
           </a:p>
           <a:p>
             <a:pPr lvl="1"/>
             <a:r>
-              <a:rPr lang="fr-FR" dirty="0" smtClean="0"/>
+              <a:rPr lang="fr-FR" dirty="0"/>
               <a:t>raspberrypi.org</a:t>
             </a:r>
           </a:p>
           <a:p>
             <a:pPr lvl="1"/>
             <a:r>
-              <a:rPr lang="fr-FR" dirty="0" smtClean="0"/>
-              <a:t>c'est </a:t>
-            </a:r>
-            <a:r>
               <a:rPr lang="fr-FR" dirty="0"/>
-              <a:t>un nano-ordinateur </a:t>
+              <a:t>c'est un nano-ordinateur </a:t>
             </a:r>
             <a:r>
               <a:rPr lang="fr-FR" dirty="0" err="1"/>
@@ -3881,31 +3851,26 @@
             </a:r>
             <a:r>
               <a:rPr lang="fr-FR" dirty="0"/>
-              <a:t> </a:t>
-            </a:r>
-            <a:r>
-              <a:rPr lang="fr-FR" dirty="0" smtClean="0"/>
-              <a:t>Pi</a:t>
+              <a:t> Pi</a:t>
             </a:r>
           </a:p>
           <a:p>
             <a:pPr lvl="1"/>
             <a:r>
-              <a:rPr lang="fr-FR" dirty="0" smtClean="0"/>
+              <a:rPr lang="fr-FR" dirty="0"/>
               <a:t>Libre</a:t>
             </a:r>
           </a:p>
           <a:p>
             <a:pPr lvl="1"/>
             <a:r>
-              <a:rPr lang="fr-FR" dirty="0" err="1" smtClean="0"/>
+              <a:rPr lang="fr-FR" dirty="0" err="1"/>
               <a:t>Raspberry</a:t>
             </a:r>
             <a:r>
-              <a:rPr lang="fr-FR" dirty="0" smtClean="0"/>
+              <a:rPr lang="fr-FR" dirty="0"/>
               <a:t> Pi 1 : 2013</a:t>
             </a:r>
-            <a:endParaRPr lang="fr-FR" dirty="0"/>
           </a:p>
         </p:txBody>
       </p:sp>
@@ -3996,14 +3961,13 @@
           <a:lstStyle/>
           <a:p>
             <a:r>
-              <a:rPr lang="fr-FR" dirty="0" err="1" smtClean="0"/>
+              <a:rPr lang="fr-FR" dirty="0" err="1"/>
               <a:t>Raspberry</a:t>
             </a:r>
             <a:r>
-              <a:rPr lang="fr-FR" dirty="0" smtClean="0"/>
+              <a:rPr lang="fr-FR" dirty="0"/>
               <a:t> Pi 4B</a:t>
             </a:r>
-            <a:endParaRPr lang="fr-FR" dirty="0"/>
           </a:p>
         </p:txBody>
       </p:sp>
@@ -4023,76 +3987,67 @@
           <a:lstStyle/>
           <a:p>
             <a:r>
-              <a:rPr lang="fr-FR" dirty="0" smtClean="0"/>
+              <a:rPr lang="fr-FR" dirty="0"/>
               <a:t>4 Cœurs </a:t>
             </a:r>
             <a:r>
-              <a:rPr lang="fr-FR" dirty="0" err="1" smtClean="0"/>
+              <a:rPr lang="fr-FR" dirty="0" err="1"/>
               <a:t>Broadcomm</a:t>
             </a:r>
-            <a:endParaRPr lang="fr-FR" dirty="0" smtClean="0"/>
-          </a:p>
-          <a:p>
-            <a:r>
-              <a:rPr lang="fr-FR" dirty="0" smtClean="0"/>
+            <a:endParaRPr lang="fr-FR" dirty="0"/>
+          </a:p>
+          <a:p>
+            <a:r>
+              <a:rPr lang="fr-FR" dirty="0"/>
               <a:t>4 * 1.5 GHz</a:t>
             </a:r>
           </a:p>
           <a:p>
             <a:r>
-              <a:rPr lang="fr-FR" dirty="0" smtClean="0"/>
-              <a:t>RAM : 1 à 4 Go</a:t>
-            </a:r>
-          </a:p>
-          <a:p>
-            <a:r>
-              <a:rPr lang="fr-FR" dirty="0" smtClean="0"/>
+              <a:rPr lang="fr-FR" dirty="0"/>
+              <a:t>RAM : 1 à 8 Go</a:t>
+            </a:r>
+          </a:p>
+          <a:p>
+            <a:r>
+              <a:rPr lang="fr-FR" dirty="0"/>
               <a:t>4 USB 2 et 3</a:t>
             </a:r>
           </a:p>
           <a:p>
             <a:r>
-              <a:rPr lang="fr-FR" dirty="0" smtClean="0"/>
+              <a:rPr lang="fr-FR" dirty="0"/>
               <a:t>2 Micro HDMI</a:t>
             </a:r>
           </a:p>
           <a:p>
             <a:r>
-              <a:rPr lang="fr-FR" dirty="0" smtClean="0"/>
-              <a:t>Ethernet 1 </a:t>
-            </a:r>
-            <a:r>
               <a:rPr lang="fr-FR" dirty="0"/>
-              <a:t>G</a:t>
-            </a:r>
-            <a:r>
-              <a:rPr lang="fr-FR" dirty="0" smtClean="0"/>
-              <a:t>bit/s</a:t>
-            </a:r>
-          </a:p>
-          <a:p>
-            <a:r>
-              <a:rPr lang="fr-FR" dirty="0" smtClean="0"/>
+              <a:t>Ethernet 1 Gbit/s</a:t>
+            </a:r>
+          </a:p>
+          <a:p>
+            <a:r>
+              <a:rPr lang="fr-FR" dirty="0"/>
               <a:t>Bluetooth 5</a:t>
             </a:r>
           </a:p>
           <a:p>
             <a:r>
-              <a:rPr lang="fr-FR" dirty="0" smtClean="0"/>
+              <a:rPr lang="fr-FR" dirty="0"/>
               <a:t>Wifi 802.11 </a:t>
             </a:r>
             <a:r>
-              <a:rPr lang="fr-FR" dirty="0" err="1" smtClean="0"/>
+              <a:rPr lang="fr-FR" dirty="0" err="1"/>
               <a:t>ac</a:t>
             </a:r>
-            <a:endParaRPr lang="fr-FR" dirty="0" smtClean="0"/>
-          </a:p>
-          <a:p>
-            <a:r>
-              <a:rPr lang="fr-FR" dirty="0" smtClean="0"/>
+            <a:endParaRPr lang="fr-FR" dirty="0"/>
+          </a:p>
+          <a:p>
+            <a:r>
+              <a:rPr lang="fr-FR" dirty="0"/>
               <a:t>4.4 - 15W</a:t>
             </a:r>
-            <a:endParaRPr lang="fr-FR" dirty="0"/>
           </a:p>
         </p:txBody>
       </p:sp>
@@ -4183,10 +4138,9 @@
           <a:lstStyle/>
           <a:p>
             <a:r>
-              <a:rPr lang="fr-FR" dirty="0" smtClean="0"/>
+              <a:rPr lang="fr-FR" dirty="0"/>
               <a:t>Les différents modèles</a:t>
             </a:r>
-            <a:endParaRPr lang="fr-FR" dirty="0"/>
           </a:p>
         </p:txBody>
       </p:sp>
@@ -4260,15 +4214,15 @@
           <a:lstStyle/>
           <a:p>
             <a:r>
-              <a:rPr lang="fr-FR" dirty="0" err="1" smtClean="0"/>
+              <a:rPr lang="fr-FR" dirty="0" err="1"/>
               <a:t>Raspberry</a:t>
             </a:r>
             <a:r>
-              <a:rPr lang="fr-FR" dirty="0" smtClean="0"/>
+              <a:rPr lang="fr-FR" dirty="0"/>
               <a:t> Pi </a:t>
             </a:r>
             <a:r>
-              <a:rPr lang="fr-FR" dirty="0" err="1" smtClean="0"/>
+              <a:rPr lang="fr-FR" dirty="0" err="1"/>
               <a:t>Zero</a:t>
             </a:r>
             <a:endParaRPr lang="fr-FR" dirty="0"/>
@@ -4291,7 +4245,7 @@
           <a:lstStyle/>
           <a:p>
             <a:r>
-              <a:rPr lang="fr-FR" dirty="0" smtClean="0"/>
+              <a:rPr lang="fr-FR" dirty="0"/>
               <a:t>1 Cœur </a:t>
             </a:r>
             <a:r>
@@ -4302,59 +4256,39 @@
           </a:p>
           <a:p>
             <a:r>
-              <a:rPr lang="fr-FR" dirty="0" smtClean="0"/>
-              <a:t>1 </a:t>
-            </a:r>
-            <a:r>
               <a:rPr lang="fr-FR" dirty="0"/>
-              <a:t>GHz</a:t>
+              <a:t>1 GHz</a:t>
             </a:r>
           </a:p>
           <a:p>
             <a:r>
               <a:rPr lang="fr-FR" dirty="0"/>
-              <a:t>RAM : </a:t>
-            </a:r>
-            <a:r>
-              <a:rPr lang="fr-FR" dirty="0" smtClean="0"/>
-              <a:t>512Mo</a:t>
-            </a:r>
-            <a:endParaRPr lang="fr-FR" dirty="0"/>
-          </a:p>
-          <a:p>
-            <a:r>
-              <a:rPr lang="fr-FR" dirty="0" smtClean="0"/>
-              <a:t>2 </a:t>
-            </a:r>
+              <a:t>RAM : 512Mo</a:t>
+            </a:r>
+          </a:p>
+          <a:p>
             <a:r>
               <a:rPr lang="fr-FR" dirty="0"/>
-              <a:t>USB </a:t>
-            </a:r>
-            <a:r>
-              <a:rPr lang="fr-FR" dirty="0" smtClean="0"/>
-              <a:t>2</a:t>
-            </a:r>
-            <a:endParaRPr lang="fr-FR" dirty="0"/>
-          </a:p>
-          <a:p>
-            <a:r>
-              <a:rPr lang="fr-FR" dirty="0" smtClean="0"/>
+              <a:t>2 USB 2</a:t>
+            </a:r>
+          </a:p>
+          <a:p>
+            <a:r>
+              <a:rPr lang="fr-FR" dirty="0"/>
               <a:t>1 Mini HDMI</a:t>
             </a:r>
           </a:p>
           <a:p>
             <a:r>
-              <a:rPr lang="fr-FR" dirty="0" smtClean="0"/>
+              <a:rPr lang="fr-FR" dirty="0"/>
               <a:t>0.7 - 0.8W</a:t>
             </a:r>
-            <a:endParaRPr lang="fr-FR" dirty="0"/>
-          </a:p>
-          <a:p>
-            <a:r>
-              <a:rPr lang="fr-FR" dirty="0" smtClean="0"/>
+          </a:p>
+          <a:p>
+            <a:r>
+              <a:rPr lang="fr-FR" dirty="0"/>
               <a:t>Sur modèle W</a:t>
             </a:r>
-            <a:endParaRPr lang="fr-FR" dirty="0"/>
           </a:p>
           <a:p>
             <a:pPr lvl="1"/>
@@ -4370,14 +4304,13 @@
               <a:t>Wifi 802.11 </a:t>
             </a:r>
             <a:r>
-              <a:rPr lang="fr-FR" dirty="0" err="1" smtClean="0"/>
+              <a:rPr lang="fr-FR" dirty="0" err="1"/>
               <a:t>ac</a:t>
             </a:r>
             <a:r>
-              <a:rPr lang="fr-FR" dirty="0" smtClean="0"/>
+              <a:rPr lang="fr-FR" dirty="0"/>
               <a:t> </a:t>
             </a:r>
-            <a:endParaRPr lang="fr-FR" dirty="0"/>
           </a:p>
         </p:txBody>
       </p:sp>
@@ -4468,10 +4401,9 @@
           <a:lstStyle/>
           <a:p>
             <a:r>
-              <a:rPr lang="fr-FR" dirty="0" smtClean="0"/>
+              <a:rPr lang="fr-FR" dirty="0"/>
               <a:t>I/O</a:t>
             </a:r>
-            <a:endParaRPr lang="fr-FR" dirty="0"/>
           </a:p>
         </p:txBody>
       </p:sp>
@@ -4562,10 +4494,9 @@
           <a:lstStyle/>
           <a:p>
             <a:r>
-              <a:rPr lang="fr-FR" dirty="0" smtClean="0"/>
+              <a:rPr lang="fr-FR" dirty="0"/>
               <a:t>GPIO</a:t>
             </a:r>
-            <a:endParaRPr lang="fr-FR" dirty="0"/>
           </a:p>
         </p:txBody>
       </p:sp>
@@ -4656,10 +4587,9 @@
           <a:lstStyle/>
           <a:p>
             <a:r>
-              <a:rPr lang="fr-FR" dirty="0" smtClean="0"/>
+              <a:rPr lang="fr-FR" dirty="0"/>
               <a:t>Extensions</a:t>
             </a:r>
-            <a:endParaRPr lang="fr-FR" dirty="0"/>
           </a:p>
         </p:txBody>
       </p:sp>
@@ -4679,21 +4609,21 @@
           <a:lstStyle/>
           <a:p>
             <a:r>
-              <a:rPr lang="fr-FR" dirty="0" smtClean="0"/>
+              <a:rPr lang="fr-FR" dirty="0"/>
               <a:t>HAT</a:t>
             </a:r>
           </a:p>
           <a:p>
             <a:pPr lvl="1"/>
             <a:r>
-              <a:rPr lang="fr-FR" dirty="0" smtClean="0"/>
+              <a:rPr lang="fr-FR" dirty="0"/>
               <a:t>Equivalent Bridge </a:t>
             </a:r>
             <a:r>
-              <a:rPr lang="fr-FR" dirty="0" err="1" smtClean="0"/>
+              <a:rPr lang="fr-FR" dirty="0" err="1"/>
               <a:t>Arduino</a:t>
             </a:r>
-            <a:endParaRPr lang="fr-FR" dirty="0" smtClean="0"/>
+            <a:endParaRPr lang="fr-FR" dirty="0"/>
           </a:p>
           <a:p>
             <a:pPr lvl="1"/>

--- a/ppt/IoT05-Raspberry.pptx
+++ b/ppt/IoT05-Raspberry.pptx
@@ -3829,6 +3829,13 @@
             <a:r>
               <a:rPr lang="fr-FR" dirty="0"/>
               <a:t>raspberrypi.org</a:t>
+            </a:r>
+          </a:p>
+          <a:p>
+            <a:pPr lvl="1"/>
+            <a:r>
+              <a:rPr lang="fr-FR" dirty="0"/>
+              <a:t>Kubii.fr</a:t>
             </a:r>
           </a:p>
           <a:p>
